--- a/800. 개인프로젝트/01. 웹프로젝트/01. 자료수집/포트폴리오 장정윤(아모르).pptx
+++ b/800. 개인프로젝트/01. 웹프로젝트/01. 자료수집/포트폴리오 장정윤(아모르).pptx
@@ -111,6 +111,11 @@
       </a:defRPr>
     </a:lvl9pPr>
   </p:defaultTextStyle>
+  <p:extLst>
+    <p:ext uri="{EFAFB233-063F-42B5-8137-9DF3F51BA10A}">
+      <p15:sldGuideLst xmlns:p15="http://schemas.microsoft.com/office/powerpoint/2012/main"/>
+    </p:ext>
+  </p:extLst>
 </p:presentation>
 </file>
 
@@ -2983,14 +2988,23 @@
         </p:nvSpPr>
         <p:spPr/>
         <p:txBody>
-          <a:bodyPr/>
-          <a:lstStyle/>
-          <a:p>
-            <a:r>
-              <a:rPr lang="ko-KR" altLang="en-US" dirty="0" err="1" smtClean="0"/>
-              <a:t>포폴</a:t>
-            </a:r>
-            <a:endParaRPr lang="ko-KR" altLang="en-US" dirty="0"/>
+          <a:bodyPr>
+            <a:normAutofit/>
+          </a:bodyPr>
+          <a:lstStyle/>
+          <a:p>
+            <a:pPr algn="r"/>
+            <a:r>
+              <a:rPr lang="en-US" altLang="ko-KR" sz="2800" dirty="0" smtClean="0">
+                <a:latin typeface="나눔스퀘어 Light" panose="020B0600000101010101" pitchFamily="50" charset="-127"/>
+                <a:ea typeface="나눔스퀘어 Light" panose="020B0600000101010101" pitchFamily="50" charset="-127"/>
+              </a:rPr>
+              <a:t>Portfolio</a:t>
+            </a:r>
+            <a:endParaRPr lang="ko-KR" altLang="en-US" sz="2800" dirty="0">
+              <a:latin typeface="나눔스퀘어 Light" panose="020B0600000101010101" pitchFamily="50" charset="-127"/>
+              <a:ea typeface="나눔스퀘어 Light" panose="020B0600000101010101" pitchFamily="50" charset="-127"/>
+            </a:endParaRPr>
           </a:p>
         </p:txBody>
       </p:sp>
@@ -3006,20 +3020,23 @@
         </p:nvSpPr>
         <p:spPr/>
         <p:txBody>
-          <a:bodyPr/>
-          <a:lstStyle/>
-          <a:p>
-            <a:r>
-              <a:rPr lang="ko-KR" altLang="en-US" dirty="0" err="1" smtClean="0"/>
+          <a:bodyPr>
+            <a:normAutofit/>
+          </a:bodyPr>
+          <a:lstStyle/>
+          <a:p>
+            <a:pPr algn="r"/>
+            <a:r>
+              <a:rPr lang="ko-KR" altLang="en-US" sz="1800" dirty="0" err="1" smtClean="0">
+                <a:latin typeface="나눔스퀘어 Light" panose="020B0600000101010101" pitchFamily="50" charset="-127"/>
+                <a:ea typeface="나눔스퀘어 Light" panose="020B0600000101010101" pitchFamily="50" charset="-127"/>
+              </a:rPr>
               <a:t>장정윤</a:t>
             </a:r>
-            <a:endParaRPr lang="ko-KR" altLang="en-US" dirty="0" smtClean="0"/>
-          </a:p>
-          <a:p>
-            <a:endParaRPr lang="ko-KR" altLang="en-US" dirty="0" smtClean="0"/>
-          </a:p>
-          <a:p>
-            <a:endParaRPr lang="ko-KR" altLang="en-US" dirty="0"/>
+            <a:endParaRPr lang="ko-KR" altLang="en-US" sz="2800" dirty="0">
+              <a:latin typeface="나눔스퀘어 Light" panose="020B0600000101010101" pitchFamily="50" charset="-127"/>
+              <a:ea typeface="나눔스퀘어 Light" panose="020B0600000101010101" pitchFamily="50" charset="-127"/>
+            </a:endParaRPr>
           </a:p>
         </p:txBody>
       </p:sp>
